--- a/A_Team3_WebMiniProject.pptx
+++ b/A_Team3_WebMiniProject.pptx
@@ -307,7 +307,7 @@
           <a:p>
             <a:fld id="{37B0890D-01E6-49DF-A341-A670F1E2DAD4}" type="datetimeFigureOut">
               <a:rPr lang="en-US" smtClean="0"/>
-              <a:t>12/6/2020</a:t>
+              <a:t>12/12/2020</a:t>
             </a:fld>
             <a:endParaRPr lang="en-GB"/>
           </a:p>
@@ -472,7 +472,7 @@
           <a:p>
             <a:fld id="{37B0890D-01E6-49DF-A341-A670F1E2DAD4}" type="datetimeFigureOut">
               <a:rPr lang="en-US" smtClean="0"/>
-              <a:t>12/6/2020</a:t>
+              <a:t>12/12/2020</a:t>
             </a:fld>
             <a:endParaRPr lang="en-GB"/>
           </a:p>
@@ -647,7 +647,7 @@
           <a:p>
             <a:fld id="{37B0890D-01E6-49DF-A341-A670F1E2DAD4}" type="datetimeFigureOut">
               <a:rPr lang="en-US" smtClean="0"/>
-              <a:t>12/6/2020</a:t>
+              <a:t>12/12/2020</a:t>
             </a:fld>
             <a:endParaRPr lang="en-GB"/>
           </a:p>
@@ -812,7 +812,7 @@
           <a:p>
             <a:fld id="{37B0890D-01E6-49DF-A341-A670F1E2DAD4}" type="datetimeFigureOut">
               <a:rPr lang="en-US" smtClean="0"/>
-              <a:t>12/6/2020</a:t>
+              <a:t>12/12/2020</a:t>
             </a:fld>
             <a:endParaRPr lang="en-GB"/>
           </a:p>
@@ -1053,7 +1053,7 @@
           <a:p>
             <a:fld id="{37B0890D-01E6-49DF-A341-A670F1E2DAD4}" type="datetimeFigureOut">
               <a:rPr lang="en-US" smtClean="0"/>
-              <a:t>12/6/2020</a:t>
+              <a:t>12/12/2020</a:t>
             </a:fld>
             <a:endParaRPr lang="en-GB"/>
           </a:p>
@@ -1336,7 +1336,7 @@
           <a:p>
             <a:fld id="{37B0890D-01E6-49DF-A341-A670F1E2DAD4}" type="datetimeFigureOut">
               <a:rPr lang="en-US" smtClean="0"/>
-              <a:t>12/6/2020</a:t>
+              <a:t>12/12/2020</a:t>
             </a:fld>
             <a:endParaRPr lang="en-GB"/>
           </a:p>
@@ -1753,7 +1753,7 @@
           <a:p>
             <a:fld id="{37B0890D-01E6-49DF-A341-A670F1E2DAD4}" type="datetimeFigureOut">
               <a:rPr lang="en-US" smtClean="0"/>
-              <a:t>12/6/2020</a:t>
+              <a:t>12/12/2020</a:t>
             </a:fld>
             <a:endParaRPr lang="en-GB"/>
           </a:p>
@@ -1866,7 +1866,7 @@
           <a:p>
             <a:fld id="{37B0890D-01E6-49DF-A341-A670F1E2DAD4}" type="datetimeFigureOut">
               <a:rPr lang="en-US" smtClean="0"/>
-              <a:t>12/6/2020</a:t>
+              <a:t>12/12/2020</a:t>
             </a:fld>
             <a:endParaRPr lang="en-GB"/>
           </a:p>
@@ -1956,7 +1956,7 @@
           <a:p>
             <a:fld id="{37B0890D-01E6-49DF-A341-A670F1E2DAD4}" type="datetimeFigureOut">
               <a:rPr lang="en-US" smtClean="0"/>
-              <a:t>12/6/2020</a:t>
+              <a:t>12/12/2020</a:t>
             </a:fld>
             <a:endParaRPr lang="en-GB"/>
           </a:p>
@@ -2228,7 +2228,7 @@
           <a:p>
             <a:fld id="{37B0890D-01E6-49DF-A341-A670F1E2DAD4}" type="datetimeFigureOut">
               <a:rPr lang="en-US" smtClean="0"/>
-              <a:t>12/6/2020</a:t>
+              <a:t>12/12/2020</a:t>
             </a:fld>
             <a:endParaRPr lang="en-GB"/>
           </a:p>
@@ -2476,7 +2476,7 @@
           <a:p>
             <a:fld id="{37B0890D-01E6-49DF-A341-A670F1E2DAD4}" type="datetimeFigureOut">
               <a:rPr lang="en-US" smtClean="0"/>
-              <a:t>12/6/2020</a:t>
+              <a:t>12/12/2020</a:t>
             </a:fld>
             <a:endParaRPr lang="en-GB"/>
           </a:p>
@@ -2684,7 +2684,7 @@
           <a:p>
             <a:fld id="{37B0890D-01E6-49DF-A341-A670F1E2DAD4}" type="datetimeFigureOut">
               <a:rPr lang="en-US" smtClean="0"/>
-              <a:t>12/6/2020</a:t>
+              <a:t>12/12/2020</a:t>
             </a:fld>
             <a:endParaRPr lang="en-GB"/>
           </a:p>
@@ -3881,7 +3881,48 @@
               <a:rPr lang="en-US" sz="1800" b="0" i="0" u="none" strike="noStrike" baseline="0" dirty="0">
                 <a:latin typeface="UbuntuMono-Regular"/>
               </a:rPr>
-              <a:t>login system and persistence of logged in user</a:t>
+              <a:t>login system and persistence of logged in </a:t>
+            </a:r>
+            <a:r>
+              <a:rPr lang="en-US" sz="1800" b="0" i="0" u="none" strike="noStrike" baseline="0" dirty="0" smtClean="0">
+                <a:latin typeface="UbuntuMono-Regular"/>
+              </a:rPr>
+              <a:t>user</a:t>
+            </a:r>
+          </a:p>
+          <a:p>
+            <a:pPr algn="l"/>
+            <a:endParaRPr lang="en-US" sz="1800" dirty="0">
+              <a:latin typeface="UbuntuMono-Regular"/>
+            </a:endParaRPr>
+          </a:p>
+          <a:p>
+            <a:pPr marL="0" indent="0">
+              <a:buNone/>
+            </a:pPr>
+            <a:r>
+              <a:rPr lang="en-US" sz="1800" dirty="0" smtClean="0">
+                <a:latin typeface="UbuntuMono-Regular"/>
+              </a:rPr>
+              <a:t>Check </a:t>
+            </a:r>
+            <a:r>
+              <a:rPr lang="en-US" sz="1800" dirty="0">
+                <a:latin typeface="UbuntuMono-Regular"/>
+              </a:rPr>
+              <a:t>our </a:t>
+            </a:r>
+            <a:r>
+              <a:rPr lang="en-US" sz="1800" dirty="0" smtClean="0">
+                <a:latin typeface="UbuntuMono-Regular"/>
+              </a:rPr>
+              <a:t>website at: https</a:t>
+            </a:r>
+            <a:r>
+              <a:rPr lang="en-US" sz="1800" dirty="0">
+                <a:latin typeface="UbuntuMono-Regular"/>
+              </a:rPr>
+              <a:t>://aight-events.herokuapp.com/</a:t>
             </a:r>
             <a:endParaRPr lang="en-GB" dirty="0"/>
           </a:p>
